--- a/Data/sgRNA/Figure1/figure1_250211.pptx
+++ b/Data/sgRNA/Figure1/figure1_250211.pptx
@@ -8,6 +8,7 @@
     <p:sldId id="256" r:id="rId3"/>
     <p:sldId id="257" r:id="rId4"/>
     <p:sldId id="258" r:id="rId5"/>
+    <p:sldId id="259" r:id="rId6"/>
   </p:sldIdLst>
   <p:sldSz cx="12192000" cy="6858000"/>
   <p:notesSz cx="6858000" cy="9144000"/>
@@ -3167,7 +3168,6 @@
             <a:pPr algn="ctr"/>
             <a:r>
               <a:rPr lang="en-US" sz="2800" b="1">
-                <a:ln/>
                 <a:solidFill>
                   <a:schemeClr val="tx1"/>
                 </a:solidFill>
@@ -3183,7 +3183,6 @@
               <a:t>U</a:t>
             </a:r>
             <a:endParaRPr lang="en-US" sz="2800" b="1">
-              <a:ln/>
               <a:solidFill>
                 <a:schemeClr val="tx1"/>
               </a:solidFill>
@@ -8594,6 +8593,60 @@
           </a:prstGeom>
         </p:spPr>
       </p:pic>
+    </p:spTree>
+  </p:cSld>
+  <p:clrMapOvr>
+    <a:masterClrMapping/>
+  </p:clrMapOvr>
+</p:sld>
+</file>
+
+<file path=ppt/slides/slide4.xml><?xml version="1.0" encoding="utf-8"?>
+<p:sld xmlns:a="http://schemas.openxmlformats.org/drawingml/2006/main" xmlns:r="http://schemas.openxmlformats.org/officeDocument/2006/relationships" xmlns:p="http://schemas.openxmlformats.org/presentationml/2006/main">
+  <p:cSld>
+    <p:spTree>
+      <p:nvGrpSpPr>
+        <p:cNvPr id="1" name=""/>
+        <p:cNvGrpSpPr/>
+        <p:nvPr/>
+      </p:nvGrpSpPr>
+      <p:grpSpPr/>
+      <p:sp>
+        <p:nvSpPr>
+          <p:cNvPr id="2" name="Title 1"/>
+          <p:cNvSpPr>
+            <a:spLocks noGrp="1"/>
+          </p:cNvSpPr>
+          <p:nvPr>
+            <p:ph type="title"/>
+          </p:nvPr>
+        </p:nvSpPr>
+        <p:spPr/>
+        <p:txBody>
+          <a:bodyPr/>
+          <a:p>
+            <a:endParaRPr lang="en-US"/>
+          </a:p>
+        </p:txBody>
+      </p:sp>
+      <p:sp>
+        <p:nvSpPr>
+          <p:cNvPr id="3" name="Content Placeholder 2"/>
+          <p:cNvSpPr>
+            <a:spLocks noGrp="1"/>
+          </p:cNvSpPr>
+          <p:nvPr>
+            <p:ph idx="1"/>
+          </p:nvPr>
+        </p:nvSpPr>
+        <p:spPr/>
+        <p:txBody>
+          <a:bodyPr/>
+          <a:p>
+            <a:endParaRPr lang="en-US"/>
+          </a:p>
+        </p:txBody>
+      </p:sp>
     </p:spTree>
   </p:cSld>
   <p:clrMapOvr>
